--- a/Project_2.pptx
+++ b/Project_2.pptx
@@ -2,11 +2,11 @@
 <file path=ppt/presentation.xml><?xml version="1.0" encoding="utf-8"?>
 <p:presentation xmlns:a="http://schemas.openxmlformats.org/drawingml/2006/main" xmlns:r="http://schemas.openxmlformats.org/officeDocument/2006/relationships" xmlns:p="http://schemas.openxmlformats.org/presentationml/2006/main" saveSubsetFonts="1">
   <p:sldMasterIdLst>
-    <p:sldMasterId id="2147483648" r:id="rId1"/>
+    <p:sldMasterId id="2147483660" r:id="rId1"/>
   </p:sldMasterIdLst>
   <p:sldIdLst>
     <p:sldId id="256" r:id="rId2"/>
-    <p:sldId id="257" r:id="rId3"/>
+    <p:sldId id="258" r:id="rId3"/>
   </p:sldIdLst>
   <p:sldSz cx="12192000" cy="6858000"/>
   <p:notesSz cx="6858000" cy="9144000"/>
@@ -105,6 +105,11 @@
       </a:defRPr>
     </a:lvl9pPr>
   </p:defaultTextStyle>
+  <p:extLst>
+    <p:ext uri="{EFAFB233-063F-42B5-8137-9DF3F51BA10A}">
+      <p15:sldGuideLst xmlns:p15="http://schemas.microsoft.com/office/powerpoint/2012/main"/>
+    </p:ext>
+  </p:extLst>
 </p:presentation>
 </file>
 
@@ -153,7 +158,7 @@
               <a:rPr lang="en-US" smtClean="0"/>
               <a:t>Click to edit Master title style</a:t>
             </a:r>
-            <a:endParaRPr lang="en-US"/>
+            <a:endParaRPr lang="en-US" dirty="0"/>
           </a:p>
         </p:txBody>
       </p:sp>
@@ -218,7 +223,7 @@
               <a:rPr lang="en-US" smtClean="0"/>
               <a:t>Click to edit Master subtitle style</a:t>
             </a:r>
-            <a:endParaRPr lang="en-US"/>
+            <a:endParaRPr lang="en-US" dirty="0"/>
           </a:p>
         </p:txBody>
       </p:sp>
@@ -239,7 +244,7 @@
           <a:p>
             <a:fld id="{B2A21D8B-2A8A-459E-AA64-68C25A8D6E1D}" type="datetimeFigureOut">
               <a:rPr lang="en-US" smtClean="0"/>
-              <a:t>12/14/2019</a:t>
+              <a:t>12/17/2019</a:t>
             </a:fld>
             <a:endParaRPr lang="en-US"/>
           </a:p>
@@ -290,7 +295,7 @@
     </p:spTree>
     <p:extLst>
       <p:ext uri="{BB962C8B-B14F-4D97-AF65-F5344CB8AC3E}">
-        <p14:creationId xmlns:p14="http://schemas.microsoft.com/office/powerpoint/2010/main" val="4026669798"/>
+        <p14:creationId xmlns:p14="http://schemas.microsoft.com/office/powerpoint/2010/main" val="1590547938"/>
       </p:ext>
     </p:extLst>
   </p:cSld>
@@ -336,7 +341,7 @@
               <a:rPr lang="en-US" smtClean="0"/>
               <a:t>Click to edit Master title style</a:t>
             </a:r>
-            <a:endParaRPr lang="en-US"/>
+            <a:endParaRPr lang="en-US" dirty="0"/>
           </a:p>
         </p:txBody>
       </p:sp>
@@ -388,7 +393,7 @@
               <a:rPr lang="en-US" smtClean="0"/>
               <a:t>Fifth level</a:t>
             </a:r>
-            <a:endParaRPr lang="en-US"/>
+            <a:endParaRPr lang="en-US" dirty="0"/>
           </a:p>
         </p:txBody>
       </p:sp>
@@ -409,7 +414,7 @@
           <a:p>
             <a:fld id="{B2A21D8B-2A8A-459E-AA64-68C25A8D6E1D}" type="datetimeFigureOut">
               <a:rPr lang="en-US" smtClean="0"/>
-              <a:t>12/14/2019</a:t>
+              <a:t>12/17/2019</a:t>
             </a:fld>
             <a:endParaRPr lang="en-US"/>
           </a:p>
@@ -460,7 +465,7 @@
     </p:spTree>
     <p:extLst>
       <p:ext uri="{BB962C8B-B14F-4D97-AF65-F5344CB8AC3E}">
-        <p14:creationId xmlns:p14="http://schemas.microsoft.com/office/powerpoint/2010/main" val="2668972267"/>
+        <p14:creationId xmlns:p14="http://schemas.microsoft.com/office/powerpoint/2010/main" val="1147582220"/>
       </p:ext>
     </p:extLst>
   </p:cSld>
@@ -511,7 +516,7 @@
               <a:rPr lang="en-US" smtClean="0"/>
               <a:t>Click to edit Master title style</a:t>
             </a:r>
-            <a:endParaRPr lang="en-US"/>
+            <a:endParaRPr lang="en-US" dirty="0"/>
           </a:p>
         </p:txBody>
       </p:sp>
@@ -568,7 +573,7 @@
               <a:rPr lang="en-US" smtClean="0"/>
               <a:t>Fifth level</a:t>
             </a:r>
-            <a:endParaRPr lang="en-US"/>
+            <a:endParaRPr lang="en-US" dirty="0"/>
           </a:p>
         </p:txBody>
       </p:sp>
@@ -589,7 +594,7 @@
           <a:p>
             <a:fld id="{B2A21D8B-2A8A-459E-AA64-68C25A8D6E1D}" type="datetimeFigureOut">
               <a:rPr lang="en-US" smtClean="0"/>
-              <a:t>12/14/2019</a:t>
+              <a:t>12/17/2019</a:t>
             </a:fld>
             <a:endParaRPr lang="en-US"/>
           </a:p>
@@ -640,7 +645,7 @@
     </p:spTree>
     <p:extLst>
       <p:ext uri="{BB962C8B-B14F-4D97-AF65-F5344CB8AC3E}">
-        <p14:creationId xmlns:p14="http://schemas.microsoft.com/office/powerpoint/2010/main" val="3718099148"/>
+        <p14:creationId xmlns:p14="http://schemas.microsoft.com/office/powerpoint/2010/main" val="1027568398"/>
       </p:ext>
     </p:extLst>
   </p:cSld>
@@ -686,7 +691,7 @@
               <a:rPr lang="en-US" smtClean="0"/>
               <a:t>Click to edit Master title style</a:t>
             </a:r>
-            <a:endParaRPr lang="en-US"/>
+            <a:endParaRPr lang="en-US" dirty="0"/>
           </a:p>
         </p:txBody>
       </p:sp>
@@ -738,7 +743,7 @@
               <a:rPr lang="en-US" smtClean="0"/>
               <a:t>Fifth level</a:t>
             </a:r>
-            <a:endParaRPr lang="en-US"/>
+            <a:endParaRPr lang="en-US" dirty="0"/>
           </a:p>
         </p:txBody>
       </p:sp>
@@ -759,7 +764,7 @@
           <a:p>
             <a:fld id="{B2A21D8B-2A8A-459E-AA64-68C25A8D6E1D}" type="datetimeFigureOut">
               <a:rPr lang="en-US" smtClean="0"/>
-              <a:t>12/14/2019</a:t>
+              <a:t>12/17/2019</a:t>
             </a:fld>
             <a:endParaRPr lang="en-US"/>
           </a:p>
@@ -810,7 +815,7 @@
     </p:spTree>
     <p:extLst>
       <p:ext uri="{BB962C8B-B14F-4D97-AF65-F5344CB8AC3E}">
-        <p14:creationId xmlns:p14="http://schemas.microsoft.com/office/powerpoint/2010/main" val="1490034334"/>
+        <p14:creationId xmlns:p14="http://schemas.microsoft.com/office/powerpoint/2010/main" val="2858918063"/>
       </p:ext>
     </p:extLst>
   </p:cSld>
@@ -865,7 +870,7 @@
               <a:rPr lang="en-US" smtClean="0"/>
               <a:t>Click to edit Master title style</a:t>
             </a:r>
-            <a:endParaRPr lang="en-US"/>
+            <a:endParaRPr lang="en-US" dirty="0"/>
           </a:p>
         </p:txBody>
       </p:sp>
@@ -1005,7 +1010,7 @@
           <a:p>
             <a:fld id="{B2A21D8B-2A8A-459E-AA64-68C25A8D6E1D}" type="datetimeFigureOut">
               <a:rPr lang="en-US" smtClean="0"/>
-              <a:t>12/14/2019</a:t>
+              <a:t>12/17/2019</a:t>
             </a:fld>
             <a:endParaRPr lang="en-US"/>
           </a:p>
@@ -1056,7 +1061,7 @@
     </p:spTree>
     <p:extLst>
       <p:ext uri="{BB962C8B-B14F-4D97-AF65-F5344CB8AC3E}">
-        <p14:creationId xmlns:p14="http://schemas.microsoft.com/office/powerpoint/2010/main" val="2127077212"/>
+        <p14:creationId xmlns:p14="http://schemas.microsoft.com/office/powerpoint/2010/main" val="3991679196"/>
       </p:ext>
     </p:extLst>
   </p:cSld>
@@ -1102,7 +1107,7 @@
               <a:rPr lang="en-US" smtClean="0"/>
               <a:t>Click to edit Master title style</a:t>
             </a:r>
-            <a:endParaRPr lang="en-US"/>
+            <a:endParaRPr lang="en-US" dirty="0"/>
           </a:p>
         </p:txBody>
       </p:sp>
@@ -1159,7 +1164,7 @@
               <a:rPr lang="en-US" smtClean="0"/>
               <a:t>Fifth level</a:t>
             </a:r>
-            <a:endParaRPr lang="en-US"/>
+            <a:endParaRPr lang="en-US" dirty="0"/>
           </a:p>
         </p:txBody>
       </p:sp>
@@ -1216,7 +1221,7 @@
               <a:rPr lang="en-US" smtClean="0"/>
               <a:t>Fifth level</a:t>
             </a:r>
-            <a:endParaRPr lang="en-US"/>
+            <a:endParaRPr lang="en-US" dirty="0"/>
           </a:p>
         </p:txBody>
       </p:sp>
@@ -1237,7 +1242,7 @@
           <a:p>
             <a:fld id="{B2A21D8B-2A8A-459E-AA64-68C25A8D6E1D}" type="datetimeFigureOut">
               <a:rPr lang="en-US" smtClean="0"/>
-              <a:t>12/14/2019</a:t>
+              <a:t>12/17/2019</a:t>
             </a:fld>
             <a:endParaRPr lang="en-US"/>
           </a:p>
@@ -1288,7 +1293,7 @@
     </p:spTree>
     <p:extLst>
       <p:ext uri="{BB962C8B-B14F-4D97-AF65-F5344CB8AC3E}">
-        <p14:creationId xmlns:p14="http://schemas.microsoft.com/office/powerpoint/2010/main" val="973493386"/>
+        <p14:creationId xmlns:p14="http://schemas.microsoft.com/office/powerpoint/2010/main" val="765278647"/>
       </p:ext>
     </p:extLst>
   </p:cSld>
@@ -1339,7 +1344,7 @@
               <a:rPr lang="en-US" smtClean="0"/>
               <a:t>Click to edit Master title style</a:t>
             </a:r>
-            <a:endParaRPr lang="en-US"/>
+            <a:endParaRPr lang="en-US" dirty="0"/>
           </a:p>
         </p:txBody>
       </p:sp>
@@ -1461,7 +1466,7 @@
               <a:rPr lang="en-US" smtClean="0"/>
               <a:t>Fifth level</a:t>
             </a:r>
-            <a:endParaRPr lang="en-US"/>
+            <a:endParaRPr lang="en-US" dirty="0"/>
           </a:p>
         </p:txBody>
       </p:sp>
@@ -1583,7 +1588,7 @@
               <a:rPr lang="en-US" smtClean="0"/>
               <a:t>Fifth level</a:t>
             </a:r>
-            <a:endParaRPr lang="en-US"/>
+            <a:endParaRPr lang="en-US" dirty="0"/>
           </a:p>
         </p:txBody>
       </p:sp>
@@ -1604,7 +1609,7 @@
           <a:p>
             <a:fld id="{B2A21D8B-2A8A-459E-AA64-68C25A8D6E1D}" type="datetimeFigureOut">
               <a:rPr lang="en-US" smtClean="0"/>
-              <a:t>12/14/2019</a:t>
+              <a:t>12/17/2019</a:t>
             </a:fld>
             <a:endParaRPr lang="en-US"/>
           </a:p>
@@ -1655,7 +1660,7 @@
     </p:spTree>
     <p:extLst>
       <p:ext uri="{BB962C8B-B14F-4D97-AF65-F5344CB8AC3E}">
-        <p14:creationId xmlns:p14="http://schemas.microsoft.com/office/powerpoint/2010/main" val="1957794495"/>
+        <p14:creationId xmlns:p14="http://schemas.microsoft.com/office/powerpoint/2010/main" val="3726887280"/>
       </p:ext>
     </p:extLst>
   </p:cSld>
@@ -1701,7 +1706,7 @@
               <a:rPr lang="en-US" smtClean="0"/>
               <a:t>Click to edit Master title style</a:t>
             </a:r>
-            <a:endParaRPr lang="en-US"/>
+            <a:endParaRPr lang="en-US" dirty="0"/>
           </a:p>
         </p:txBody>
       </p:sp>
@@ -1722,7 +1727,7 @@
           <a:p>
             <a:fld id="{B2A21D8B-2A8A-459E-AA64-68C25A8D6E1D}" type="datetimeFigureOut">
               <a:rPr lang="en-US" smtClean="0"/>
-              <a:t>12/14/2019</a:t>
+              <a:t>12/17/2019</a:t>
             </a:fld>
             <a:endParaRPr lang="en-US"/>
           </a:p>
@@ -1773,7 +1778,7 @@
     </p:spTree>
     <p:extLst>
       <p:ext uri="{BB962C8B-B14F-4D97-AF65-F5344CB8AC3E}">
-        <p14:creationId xmlns:p14="http://schemas.microsoft.com/office/powerpoint/2010/main" val="1400863802"/>
+        <p14:creationId xmlns:p14="http://schemas.microsoft.com/office/powerpoint/2010/main" val="2651299950"/>
       </p:ext>
     </p:extLst>
   </p:cSld>
@@ -1817,7 +1822,7 @@
           <a:p>
             <a:fld id="{B2A21D8B-2A8A-459E-AA64-68C25A8D6E1D}" type="datetimeFigureOut">
               <a:rPr lang="en-US" smtClean="0"/>
-              <a:t>12/14/2019</a:t>
+              <a:t>12/17/2019</a:t>
             </a:fld>
             <a:endParaRPr lang="en-US"/>
           </a:p>
@@ -1868,7 +1873,7 @@
     </p:spTree>
     <p:extLst>
       <p:ext uri="{BB962C8B-B14F-4D97-AF65-F5344CB8AC3E}">
-        <p14:creationId xmlns:p14="http://schemas.microsoft.com/office/powerpoint/2010/main" val="2555099940"/>
+        <p14:creationId xmlns:p14="http://schemas.microsoft.com/office/powerpoint/2010/main" val="1886520003"/>
       </p:ext>
     </p:extLst>
   </p:cSld>
@@ -1923,7 +1928,7 @@
               <a:rPr lang="en-US" smtClean="0"/>
               <a:t>Click to edit Master title style</a:t>
             </a:r>
-            <a:endParaRPr lang="en-US"/>
+            <a:endParaRPr lang="en-US" dirty="0"/>
           </a:p>
         </p:txBody>
       </p:sp>
@@ -2008,7 +2013,7 @@
               <a:rPr lang="en-US" smtClean="0"/>
               <a:t>Fifth level</a:t>
             </a:r>
-            <a:endParaRPr lang="en-US"/>
+            <a:endParaRPr lang="en-US" dirty="0"/>
           </a:p>
         </p:txBody>
       </p:sp>
@@ -2094,7 +2099,7 @@
           <a:p>
             <a:fld id="{B2A21D8B-2A8A-459E-AA64-68C25A8D6E1D}" type="datetimeFigureOut">
               <a:rPr lang="en-US" smtClean="0"/>
-              <a:t>12/14/2019</a:t>
+              <a:t>12/17/2019</a:t>
             </a:fld>
             <a:endParaRPr lang="en-US"/>
           </a:p>
@@ -2145,7 +2150,7 @@
     </p:spTree>
     <p:extLst>
       <p:ext uri="{BB962C8B-B14F-4D97-AF65-F5344CB8AC3E}">
-        <p14:creationId xmlns:p14="http://schemas.microsoft.com/office/powerpoint/2010/main" val="1683531495"/>
+        <p14:creationId xmlns:p14="http://schemas.microsoft.com/office/powerpoint/2010/main" val="1701562716"/>
       </p:ext>
     </p:extLst>
   </p:cSld>
@@ -2200,7 +2205,7 @@
               <a:rPr lang="en-US" smtClean="0"/>
               <a:t>Click to edit Master title style</a:t>
             </a:r>
-            <a:endParaRPr lang="en-US"/>
+            <a:endParaRPr lang="en-US" dirty="0"/>
           </a:p>
         </p:txBody>
       </p:sp>
@@ -2208,7 +2213,7 @@
         <p:nvSpPr>
           <p:cNvPr id="3" name="Picture Placeholder 2"/>
           <p:cNvSpPr>
-            <a:spLocks noGrp="1"/>
+            <a:spLocks noGrp="1" noChangeAspect="1"/>
           </p:cNvSpPr>
           <p:nvPr>
             <p:ph type="pic" idx="1"/>
@@ -2221,7 +2226,7 @@
           </a:xfrm>
         </p:spPr>
         <p:txBody>
-          <a:bodyPr/>
+          <a:bodyPr anchor="t"/>
           <a:lstStyle>
             <a:lvl1pPr marL="0" indent="0">
               <a:buNone/>
@@ -2261,7 +2266,11 @@
             </a:lvl9pPr>
           </a:lstStyle>
           <a:p>
-            <a:endParaRPr lang="en-US"/>
+            <a:r>
+              <a:rPr lang="en-US" smtClean="0"/>
+              <a:t>Click icon to add picture</a:t>
+            </a:r>
+            <a:endParaRPr lang="en-US" dirty="0"/>
           </a:p>
         </p:txBody>
       </p:sp>
@@ -2347,7 +2356,7 @@
           <a:p>
             <a:fld id="{B2A21D8B-2A8A-459E-AA64-68C25A8D6E1D}" type="datetimeFigureOut">
               <a:rPr lang="en-US" smtClean="0"/>
-              <a:t>12/14/2019</a:t>
+              <a:t>12/17/2019</a:t>
             </a:fld>
             <a:endParaRPr lang="en-US"/>
           </a:p>
@@ -2398,7 +2407,7 @@
     </p:spTree>
     <p:extLst>
       <p:ext uri="{BB962C8B-B14F-4D97-AF65-F5344CB8AC3E}">
-        <p14:creationId xmlns:p14="http://schemas.microsoft.com/office/powerpoint/2010/main" val="557134616"/>
+        <p14:creationId xmlns:p14="http://schemas.microsoft.com/office/powerpoint/2010/main" val="521696383"/>
       </p:ext>
     </p:extLst>
   </p:cSld>
@@ -2412,9 +2421,12 @@
 <p:sldMaster xmlns:a="http://schemas.openxmlformats.org/drawingml/2006/main" xmlns:r="http://schemas.openxmlformats.org/officeDocument/2006/relationships" xmlns:p="http://schemas.openxmlformats.org/presentationml/2006/main">
   <p:cSld>
     <p:bg>
-      <p:bgRef idx="1001">
-        <a:schemeClr val="bg1"/>
-      </p:bgRef>
+      <p:bgPr>
+        <a:solidFill>
+          <a:schemeClr val="bg1"/>
+        </a:solidFill>
+        <a:effectLst/>
+      </p:bgPr>
     </p:bg>
     <p:spTree>
       <p:nvGrpSpPr>
@@ -2459,7 +2471,7 @@
               <a:rPr lang="en-US" smtClean="0"/>
               <a:t>Click to edit Master title style</a:t>
             </a:r>
-            <a:endParaRPr lang="en-US"/>
+            <a:endParaRPr lang="en-US" dirty="0"/>
           </a:p>
         </p:txBody>
       </p:sp>
@@ -2521,7 +2533,7 @@
               <a:rPr lang="en-US" smtClean="0"/>
               <a:t>Fifth level</a:t>
             </a:r>
-            <a:endParaRPr lang="en-US"/>
+            <a:endParaRPr lang="en-US" dirty="0"/>
           </a:p>
         </p:txBody>
       </p:sp>
@@ -2560,7 +2572,7 @@
           <a:p>
             <a:fld id="{B2A21D8B-2A8A-459E-AA64-68C25A8D6E1D}" type="datetimeFigureOut">
               <a:rPr lang="en-US" smtClean="0"/>
-              <a:t>12/14/2019</a:t>
+              <a:t>12/17/2019</a:t>
             </a:fld>
             <a:endParaRPr lang="en-US"/>
           </a:p>
@@ -2647,23 +2659,23 @@
     </p:spTree>
     <p:extLst>
       <p:ext uri="{BB962C8B-B14F-4D97-AF65-F5344CB8AC3E}">
-        <p14:creationId xmlns:p14="http://schemas.microsoft.com/office/powerpoint/2010/main" val="2052252483"/>
+        <p14:creationId xmlns:p14="http://schemas.microsoft.com/office/powerpoint/2010/main" val="1579769613"/>
       </p:ext>
     </p:extLst>
   </p:cSld>
-  <p:clrMap bg1="lt1" tx1="dk1" bg2="lt2" tx2="dk2" accent1="accent1" accent2="accent2" accent3="accent3" accent4="accent4" accent5="accent5" accent6="accent6" hlink="hlink" folHlink="folHlink"/>
+  <p:clrMap bg1="dk1" tx1="lt1" bg2="dk2" tx2="lt2" accent1="accent1" accent2="accent2" accent3="accent3" accent4="accent4" accent5="accent5" accent6="accent6" hlink="hlink" folHlink="folHlink"/>
   <p:sldLayoutIdLst>
-    <p:sldLayoutId id="2147483649" r:id="rId1"/>
-    <p:sldLayoutId id="2147483650" r:id="rId2"/>
-    <p:sldLayoutId id="2147483651" r:id="rId3"/>
-    <p:sldLayoutId id="2147483652" r:id="rId4"/>
-    <p:sldLayoutId id="2147483653" r:id="rId5"/>
-    <p:sldLayoutId id="2147483654" r:id="rId6"/>
-    <p:sldLayoutId id="2147483655" r:id="rId7"/>
-    <p:sldLayoutId id="2147483656" r:id="rId8"/>
-    <p:sldLayoutId id="2147483657" r:id="rId9"/>
-    <p:sldLayoutId id="2147483658" r:id="rId10"/>
-    <p:sldLayoutId id="2147483659" r:id="rId11"/>
+    <p:sldLayoutId id="2147483661" r:id="rId1"/>
+    <p:sldLayoutId id="2147483662" r:id="rId2"/>
+    <p:sldLayoutId id="2147483663" r:id="rId3"/>
+    <p:sldLayoutId id="2147483664" r:id="rId4"/>
+    <p:sldLayoutId id="2147483665" r:id="rId5"/>
+    <p:sldLayoutId id="2147483666" r:id="rId6"/>
+    <p:sldLayoutId id="2147483667" r:id="rId7"/>
+    <p:sldLayoutId id="2147483668" r:id="rId8"/>
+    <p:sldLayoutId id="2147483669" r:id="rId9"/>
+    <p:sldLayoutId id="2147483670" r:id="rId10"/>
+    <p:sldLayoutId id="2147483671" r:id="rId11"/>
   </p:sldLayoutIdLst>
   <p:txStyles>
     <p:titleStyle>
@@ -2965,6 +2977,36 @@
           <a:chExt cx="0" cy="0"/>
         </a:xfrm>
       </p:grpSpPr>
+      <p:pic>
+        <p:nvPicPr>
+          <p:cNvPr id="5" name="Picture 4"/>
+          <p:cNvPicPr>
+            <a:picLocks noChangeAspect="1"/>
+          </p:cNvPicPr>
+          <p:nvPr/>
+        </p:nvPicPr>
+        <p:blipFill>
+          <a:blip r:embed="rId2">
+            <a:extLst>
+              <a:ext uri="{28A0092B-C50C-407E-A947-70E740481C1C}">
+                <a14:useLocalDpi xmlns:a14="http://schemas.microsoft.com/office/drawing/2010/main" val="0"/>
+              </a:ext>
+            </a:extLst>
+          </a:blip>
+          <a:stretch>
+            <a:fillRect/>
+          </a:stretch>
+        </p:blipFill>
+        <p:spPr>
+          <a:xfrm>
+            <a:off x="0" y="-88431"/>
+            <a:ext cx="12349211" cy="6946431"/>
+          </a:xfrm>
+          <a:prstGeom prst="rect">
+            <a:avLst/>
+          </a:prstGeom>
+        </p:spPr>
+      </p:pic>
       <p:sp>
         <p:nvSpPr>
           <p:cNvPr id="2" name="Title 1"/>
@@ -2975,35 +3017,39 @@
             <p:ph type="ctrTitle"/>
           </p:nvPr>
         </p:nvSpPr>
-        <p:spPr/>
-        <p:txBody>
-          <a:bodyPr/>
-          <a:lstStyle/>
-          <a:p>
-            <a:r>
-              <a:rPr lang="en-CA" dirty="0" smtClean="0"/>
-              <a:t>PROJECT 02</a:t>
-            </a:r>
-            <a:endParaRPr lang="en-US" dirty="0"/>
-          </a:p>
-        </p:txBody>
-      </p:sp>
-      <p:sp>
-        <p:nvSpPr>
-          <p:cNvPr id="3" name="Subtitle 2"/>
-          <p:cNvSpPr>
-            <a:spLocks noGrp="1"/>
-          </p:cNvSpPr>
-          <p:nvPr>
-            <p:ph type="subTitle" idx="1"/>
-          </p:nvPr>
-        </p:nvSpPr>
-        <p:spPr/>
-        <p:txBody>
-          <a:bodyPr/>
-          <a:lstStyle/>
-          <a:p>
-            <a:endParaRPr lang="en-US" dirty="0"/>
+        <p:spPr>
+          <a:xfrm>
+            <a:off x="1155032" y="3923314"/>
+            <a:ext cx="7459579" cy="1341704"/>
+          </a:xfrm>
+        </p:spPr>
+        <p:txBody>
+          <a:bodyPr>
+            <a:normAutofit/>
+          </a:bodyPr>
+          <a:lstStyle/>
+          <a:p>
+            <a:r>
+              <a:rPr lang="en-CA" b="1" dirty="0" smtClean="0">
+                <a:solidFill>
+                  <a:srgbClr val="FF0000"/>
+                </a:solidFill>
+              </a:rPr>
+              <a:t> </a:t>
+            </a:r>
+            <a:r>
+              <a:rPr lang="en-CA" sz="4800" b="1" dirty="0" smtClean="0">
+                <a:latin typeface="Gill Sans MT" panose="020B0502020104020203" pitchFamily="34" charset="0"/>
+                <a:ea typeface="Ebrima" panose="02000000000000000000" pitchFamily="2" charset="0"/>
+                <a:cs typeface="Ebrima" panose="02000000000000000000" pitchFamily="2" charset="0"/>
+              </a:rPr>
+              <a:t>MISSION REPORT</a:t>
+            </a:r>
+            <a:endParaRPr lang="en-US" sz="4800" b="1" dirty="0">
+              <a:latin typeface="Gill Sans MT" panose="020B0502020104020203" pitchFamily="34" charset="0"/>
+              <a:ea typeface="Ebrima" panose="02000000000000000000" pitchFamily="2" charset="0"/>
+              <a:cs typeface="Ebrima" panose="02000000000000000000" pitchFamily="2" charset="0"/>
+            </a:endParaRPr>
           </a:p>
         </p:txBody>
       </p:sp>
@@ -3037,77 +3083,144 @@
           <a:chExt cx="0" cy="0"/>
         </a:xfrm>
       </p:grpSpPr>
-      <p:sp>
-        <p:nvSpPr>
-          <p:cNvPr id="2" name="Title 1"/>
-          <p:cNvSpPr>
-            <a:spLocks noGrp="1"/>
-          </p:cNvSpPr>
-          <p:nvPr>
-            <p:ph type="title"/>
-          </p:nvPr>
-        </p:nvSpPr>
-        <p:spPr/>
-        <p:txBody>
-          <a:bodyPr/>
-          <a:lstStyle/>
-          <a:p>
-            <a:r>
-              <a:rPr lang="en-CA" dirty="0" smtClean="0"/>
-              <a:t>PROJECT OUTLINES</a:t>
-            </a:r>
-            <a:endParaRPr lang="en-US" dirty="0"/>
-          </a:p>
-        </p:txBody>
-      </p:sp>
-      <p:sp>
-        <p:nvSpPr>
-          <p:cNvPr id="3" name="Content Placeholder 2"/>
-          <p:cNvSpPr>
-            <a:spLocks noGrp="1"/>
-          </p:cNvSpPr>
-          <p:nvPr>
-            <p:ph idx="1"/>
-          </p:nvPr>
-        </p:nvSpPr>
-        <p:spPr/>
-        <p:txBody>
-          <a:bodyPr/>
-          <a:lstStyle/>
-          <a:p>
-            <a:r>
-              <a:rPr lang="en-CA" dirty="0" smtClean="0"/>
-              <a:t>GET SPACE X MISSION API</a:t>
-            </a:r>
-          </a:p>
-          <a:p>
-            <a:r>
-              <a:rPr lang="en-CA" dirty="0" smtClean="0"/>
-              <a:t>WEB SCRAPING FOR LATEST NEWS REALTED TO MISSIONS</a:t>
-            </a:r>
-          </a:p>
-          <a:p>
-            <a:r>
-              <a:rPr lang="en-CA" dirty="0" smtClean="0"/>
-              <a:t>EXTRACT, CLEAN AND UPLOAD INTO DATABASE POSTGRES</a:t>
-            </a:r>
-          </a:p>
-          <a:p>
-            <a:r>
-              <a:rPr lang="en-CA" smtClean="0"/>
-              <a:t>SCRAPING COMPLETED AND FUTURE MISSION PAGES</a:t>
-            </a:r>
-            <a:endParaRPr lang="en-CA" dirty="0" smtClean="0"/>
-          </a:p>
-          <a:p>
-            <a:endParaRPr lang="en-US" dirty="0"/>
+      <p:pic>
+        <p:nvPicPr>
+          <p:cNvPr id="5" name="Picture 4"/>
+          <p:cNvPicPr>
+            <a:picLocks noChangeAspect="1"/>
+          </p:cNvPicPr>
+          <p:nvPr/>
+        </p:nvPicPr>
+        <p:blipFill>
+          <a:blip r:embed="rId2">
+            <a:extLst>
+              <a:ext uri="{28A0092B-C50C-407E-A947-70E740481C1C}">
+                <a14:useLocalDpi xmlns:a14="http://schemas.microsoft.com/office/drawing/2010/main" val="0"/>
+              </a:ext>
+            </a:extLst>
+          </a:blip>
+          <a:stretch>
+            <a:fillRect/>
+          </a:stretch>
+        </p:blipFill>
+        <p:spPr>
+          <a:xfrm>
+            <a:off x="2921000" y="1314450"/>
+            <a:ext cx="6350000" cy="4229100"/>
+          </a:xfrm>
+          <a:prstGeom prst="rect">
+            <a:avLst/>
+          </a:prstGeom>
+        </p:spPr>
+      </p:pic>
+      <p:sp>
+        <p:nvSpPr>
+          <p:cNvPr id="3" name="Rectangle 2"/>
+          <p:cNvSpPr/>
+          <p:nvPr/>
+        </p:nvSpPr>
+        <p:spPr>
+          <a:xfrm>
+            <a:off x="478814" y="481264"/>
+            <a:ext cx="11167754" cy="5262979"/>
+          </a:xfrm>
+          <a:prstGeom prst="rect">
+            <a:avLst/>
+          </a:prstGeom>
+        </p:spPr>
+        <p:txBody>
+          <a:bodyPr wrap="square">
+            <a:spAutoFit/>
+          </a:bodyPr>
+          <a:lstStyle/>
+          <a:p>
+            <a:r>
+              <a:rPr lang="en-US" sz="2800" b="1" dirty="0"/>
+              <a:t>Project </a:t>
+            </a:r>
+            <a:r>
+              <a:rPr lang="en-US" sz="2800" b="1" dirty="0" smtClean="0"/>
+              <a:t>Outlines:</a:t>
+            </a:r>
+            <a:endParaRPr lang="en-US" sz="2800" b="1" dirty="0"/>
+          </a:p>
+          <a:p>
+            <a:r>
+              <a:rPr lang="en-US" sz="2800" b="1" dirty="0"/>
+              <a:t>Create a database for each completed and future SpaceX mission to outer </a:t>
+            </a:r>
+            <a:r>
+              <a:rPr lang="en-US" sz="2800" b="1" dirty="0" smtClean="0"/>
+              <a:t>space</a:t>
+            </a:r>
+          </a:p>
+          <a:p>
+            <a:endParaRPr lang="en-US" sz="2800" b="1" dirty="0"/>
+          </a:p>
+          <a:p>
+            <a:r>
+              <a:rPr lang="en-US" sz="2800" b="1" dirty="0"/>
+              <a:t>Datasets:</a:t>
+            </a:r>
+          </a:p>
+          <a:p>
+            <a:r>
+              <a:rPr lang="en-US" sz="2800" b="1" dirty="0"/>
+              <a:t>SpaceX mission API: https://api.spacexdata.com/v3/missions</a:t>
+            </a:r>
+          </a:p>
+          <a:p>
+            <a:endParaRPr lang="en-US" sz="2800" b="1" dirty="0"/>
+          </a:p>
+          <a:p>
+            <a:r>
+              <a:rPr lang="en-US" sz="2800" b="1" dirty="0"/>
+              <a:t>ETL tasks breakdown:</a:t>
+            </a:r>
+          </a:p>
+          <a:p>
+            <a:r>
+              <a:rPr lang="en-US" sz="2800" b="1" dirty="0"/>
+              <a:t>Read the </a:t>
+            </a:r>
+            <a:r>
+              <a:rPr lang="en-US" sz="2800" b="1" dirty="0" err="1"/>
+              <a:t>datasources</a:t>
+            </a:r>
+            <a:r>
+              <a:rPr lang="en-US" sz="2800" b="1" dirty="0"/>
+              <a:t>: SpaceX APIs</a:t>
+            </a:r>
+          </a:p>
+          <a:p>
+            <a:r>
+              <a:rPr lang="en-US" sz="2800" b="1" dirty="0"/>
+              <a:t>Web scraping for latest news related to missions</a:t>
+            </a:r>
+          </a:p>
+          <a:p>
+            <a:r>
+              <a:rPr lang="en-US" sz="2800" b="1" dirty="0"/>
+              <a:t>Extract, clean and upload into database </a:t>
+            </a:r>
+            <a:r>
+              <a:rPr lang="en-US" sz="2800" b="1" dirty="0" err="1"/>
+              <a:t>postgres</a:t>
+            </a:r>
+            <a:endParaRPr lang="en-US" sz="2800" b="1" dirty="0"/>
+          </a:p>
+          <a:p>
+            <a:r>
+              <a:rPr lang="en-US" sz="2800" b="1" dirty="0"/>
+              <a:t>Scraping completed and future mission pages </a:t>
+            </a:r>
           </a:p>
         </p:txBody>
       </p:sp>
     </p:spTree>
     <p:extLst>
       <p:ext uri="{BB962C8B-B14F-4D97-AF65-F5344CB8AC3E}">
-        <p14:creationId xmlns:p14="http://schemas.microsoft.com/office/powerpoint/2010/main" val="2070428092"/>
+        <p14:creationId xmlns:p14="http://schemas.microsoft.com/office/powerpoint/2010/main" val="782191178"/>
       </p:ext>
     </p:extLst>
   </p:cSld>
@@ -3120,7 +3233,7 @@
 <file path=ppt/theme/theme1.xml><?xml version="1.0" encoding="utf-8"?>
 <a:theme xmlns:a="http://schemas.openxmlformats.org/drawingml/2006/main" name="Office Theme">
   <a:themeElements>
-    <a:clrScheme name="Office">
+    <a:clrScheme name="Office Theme">
       <a:dk1>
         <a:sysClr val="windowText" lastClr="000000"/>
       </a:dk1>
@@ -3134,22 +3247,22 @@
         <a:srgbClr val="E7E6E6"/>
       </a:lt2>
       <a:accent1>
-        <a:srgbClr val="5B9BD5"/>
+        <a:srgbClr val="29AF8C"/>
       </a:accent1>
       <a:accent2>
-        <a:srgbClr val="ED7D31"/>
+        <a:srgbClr val="97BE49"/>
       </a:accent2>
       <a:accent3>
-        <a:srgbClr val="A5A5A5"/>
+        <a:srgbClr val="3D9CCC"/>
       </a:accent3>
       <a:accent4>
-        <a:srgbClr val="FFC000"/>
+        <a:srgbClr val="7C60C6"/>
       </a:accent4>
       <a:accent5>
-        <a:srgbClr val="4472C4"/>
+        <a:srgbClr val="C9492C"/>
       </a:accent5>
       <a:accent6>
-        <a:srgbClr val="70AD47"/>
+        <a:srgbClr val="D58C2E"/>
       </a:accent6>
       <a:hlink>
         <a:srgbClr val="0563C1"/>
@@ -3158,7 +3271,7 @@
         <a:srgbClr val="954F72"/>
       </a:folHlink>
     </a:clrScheme>
-    <a:fontScheme name="Office">
+    <a:fontScheme name="Office Theme">
       <a:majorFont>
         <a:latin typeface="Calibri Light" panose="020F0302020204030204"/>
         <a:ea typeface=""/>
@@ -3230,7 +3343,7 @@
         <a:font script="Geor" typeface="Sylfaen"/>
       </a:minorFont>
     </a:fontScheme>
-    <a:fmtScheme name="Office">
+    <a:fmtScheme name="Office Theme">
       <a:fillStyleLst>
         <a:solidFill>
           <a:schemeClr val="phClr"/>
@@ -3372,7 +3485,7 @@
   <a:extraClrSchemeLst/>
   <a:extLst>
     <a:ext uri="{05A4C25C-085E-4340-85A3-A5531E510DB2}">
-      <thm15:themeFamily xmlns:thm15="http://schemas.microsoft.com/office/thememl/2012/main" name="Office Theme" id="{62F939B6-93AF-4DB8-9C6B-D6C7DFDC589F}" vid="{4A3C46E8-61CC-4603-A589-7422A47A8E4A}"/>
+      <thm15:themeFamily xmlns:thm15="http://schemas.microsoft.com/office/thememl/2012/main" name="Office Theme" id="{62F939B6-93AF-4DB8-9C6B-D6C7DFDC589F}" vid="{3E4F19A7-A959-40BB-972C-4880BAF8EB09}"/>
     </a:ext>
   </a:extLst>
 </a:theme>
